--- a/doc/tex/sdf/simplified_coherent_receiver/figures/SSB4.pptx
+++ b/doc/tex/sdf/simplified_coherent_receiver/figures/SSB4.pptx
@@ -243,7 +243,7 @@
           <a:p>
             <a:fld id="{4CC684B5-4DD2-4FEA-A1A6-5DCC5B63C683}" type="datetimeFigureOut">
               <a:rPr lang="pt-PT" smtClean="0"/>
-              <a:t>30/09/2017</a:t>
+              <a:t>09/10/2017</a:t>
             </a:fld>
             <a:endParaRPr lang="pt-PT"/>
           </a:p>
@@ -413,7 +413,7 @@
           <a:p>
             <a:fld id="{4CC684B5-4DD2-4FEA-A1A6-5DCC5B63C683}" type="datetimeFigureOut">
               <a:rPr lang="pt-PT" smtClean="0"/>
-              <a:t>30/09/2017</a:t>
+              <a:t>09/10/2017</a:t>
             </a:fld>
             <a:endParaRPr lang="pt-PT"/>
           </a:p>
@@ -593,7 +593,7 @@
           <a:p>
             <a:fld id="{4CC684B5-4DD2-4FEA-A1A6-5DCC5B63C683}" type="datetimeFigureOut">
               <a:rPr lang="pt-PT" smtClean="0"/>
-              <a:t>30/09/2017</a:t>
+              <a:t>09/10/2017</a:t>
             </a:fld>
             <a:endParaRPr lang="pt-PT"/>
           </a:p>
@@ -763,7 +763,7 @@
           <a:p>
             <a:fld id="{4CC684B5-4DD2-4FEA-A1A6-5DCC5B63C683}" type="datetimeFigureOut">
               <a:rPr lang="pt-PT" smtClean="0"/>
-              <a:t>30/09/2017</a:t>
+              <a:t>09/10/2017</a:t>
             </a:fld>
             <a:endParaRPr lang="pt-PT"/>
           </a:p>
@@ -1009,7 +1009,7 @@
           <a:p>
             <a:fld id="{4CC684B5-4DD2-4FEA-A1A6-5DCC5B63C683}" type="datetimeFigureOut">
               <a:rPr lang="pt-PT" smtClean="0"/>
-              <a:t>30/09/2017</a:t>
+              <a:t>09/10/2017</a:t>
             </a:fld>
             <a:endParaRPr lang="pt-PT"/>
           </a:p>
@@ -1241,7 +1241,7 @@
           <a:p>
             <a:fld id="{4CC684B5-4DD2-4FEA-A1A6-5DCC5B63C683}" type="datetimeFigureOut">
               <a:rPr lang="pt-PT" smtClean="0"/>
-              <a:t>30/09/2017</a:t>
+              <a:t>09/10/2017</a:t>
             </a:fld>
             <a:endParaRPr lang="pt-PT"/>
           </a:p>
@@ -1608,7 +1608,7 @@
           <a:p>
             <a:fld id="{4CC684B5-4DD2-4FEA-A1A6-5DCC5B63C683}" type="datetimeFigureOut">
               <a:rPr lang="pt-PT" smtClean="0"/>
-              <a:t>30/09/2017</a:t>
+              <a:t>09/10/2017</a:t>
             </a:fld>
             <a:endParaRPr lang="pt-PT"/>
           </a:p>
@@ -1726,7 +1726,7 @@
           <a:p>
             <a:fld id="{4CC684B5-4DD2-4FEA-A1A6-5DCC5B63C683}" type="datetimeFigureOut">
               <a:rPr lang="pt-PT" smtClean="0"/>
-              <a:t>30/09/2017</a:t>
+              <a:t>09/10/2017</a:t>
             </a:fld>
             <a:endParaRPr lang="pt-PT"/>
           </a:p>
@@ -1821,7 +1821,7 @@
           <a:p>
             <a:fld id="{4CC684B5-4DD2-4FEA-A1A6-5DCC5B63C683}" type="datetimeFigureOut">
               <a:rPr lang="pt-PT" smtClean="0"/>
-              <a:t>30/09/2017</a:t>
+              <a:t>09/10/2017</a:t>
             </a:fld>
             <a:endParaRPr lang="pt-PT"/>
           </a:p>
@@ -2098,7 +2098,7 @@
           <a:p>
             <a:fld id="{4CC684B5-4DD2-4FEA-A1A6-5DCC5B63C683}" type="datetimeFigureOut">
               <a:rPr lang="pt-PT" smtClean="0"/>
-              <a:t>30/09/2017</a:t>
+              <a:t>09/10/2017</a:t>
             </a:fld>
             <a:endParaRPr lang="pt-PT"/>
           </a:p>
@@ -2351,7 +2351,7 @@
           <a:p>
             <a:fld id="{4CC684B5-4DD2-4FEA-A1A6-5DCC5B63C683}" type="datetimeFigureOut">
               <a:rPr lang="pt-PT" smtClean="0"/>
-              <a:t>30/09/2017</a:t>
+              <a:t>09/10/2017</a:t>
             </a:fld>
             <a:endParaRPr lang="pt-PT"/>
           </a:p>
@@ -2564,7 +2564,7 @@
           <a:p>
             <a:fld id="{4CC684B5-4DD2-4FEA-A1A6-5DCC5B63C683}" type="datetimeFigureOut">
               <a:rPr lang="pt-PT" smtClean="0"/>
-              <a:t>30/09/2017</a:t>
+              <a:t>09/10/2017</a:t>
             </a:fld>
             <a:endParaRPr lang="pt-PT"/>
           </a:p>
@@ -3135,37 +3135,6 @@
             <a:p>
               <a:pPr algn="ctr"/>
               <a:endParaRPr lang="pt-PT"/>
-            </a:p>
-          </p:txBody>
-        </p:sp>
-        <p:sp>
-          <p:nvSpPr>
-            <p:cNvPr id="17" name="TextBox 16"/>
-            <p:cNvSpPr txBox="1"/>
-            <p:nvPr/>
-          </p:nvSpPr>
-          <p:spPr>
-            <a:xfrm>
-              <a:off x="3782923" y="3741618"/>
-              <a:ext cx="406042" cy="187407"/>
-            </a:xfrm>
-            <a:prstGeom prst="rect">
-              <a:avLst/>
-            </a:prstGeom>
-            <a:noFill/>
-          </p:spPr>
-          <p:txBody>
-            <a:bodyPr wrap="square" lIns="0" tIns="0" rIns="0" bIns="0" rtlCol="0">
-              <a:spAutoFit/>
-            </a:bodyPr>
-            <a:lstStyle/>
-            <a:p>
-              <a:pPr/>
-              <a:r>
-                <a:rPr lang="en-US" dirty="0" smtClean="0"/>
-                <a:t>-j</a:t>
-              </a:r>
-              <a:endParaRPr lang="pt-PT" dirty="0"/>
             </a:p>
           </p:txBody>
         </p:sp>
@@ -4100,103 +4069,6 @@
       </p:grpSp>
       <p:sp>
         <p:nvSpPr>
-          <p:cNvPr id="24" name="TextBox 23"/>
-          <p:cNvSpPr txBox="1"/>
-          <p:nvPr/>
-        </p:nvSpPr>
-        <p:spPr>
-          <a:xfrm>
-            <a:off x="1718077" y="4436761"/>
-            <a:ext cx="508063" cy="276999"/>
-          </a:xfrm>
-          <a:prstGeom prst="rect">
-            <a:avLst/>
-          </a:prstGeom>
-          <a:noFill/>
-        </p:spPr>
-        <p:txBody>
-          <a:bodyPr wrap="square" lIns="0" tIns="0" rIns="0" bIns="0" rtlCol="0">
-            <a:spAutoFit/>
-          </a:bodyPr>
-          <a:lstStyle/>
-          <a:p>
-            <a:pPr/>
-            <a:r>
-              <a:rPr lang="en-US" dirty="0"/>
-              <a:t>+</a:t>
-            </a:r>
-            <a:r>
-              <a:rPr lang="en-US" dirty="0" smtClean="0"/>
-              <a:t>j</a:t>
-            </a:r>
-            <a:endParaRPr lang="pt-PT" dirty="0"/>
-          </a:p>
-        </p:txBody>
-      </p:sp>
-      <p:sp>
-        <p:nvSpPr>
-          <p:cNvPr id="30" name="TextBox 29"/>
-          <p:cNvSpPr txBox="1"/>
-          <p:nvPr/>
-        </p:nvSpPr>
-        <p:spPr>
-          <a:xfrm>
-            <a:off x="8947623" y="4436761"/>
-            <a:ext cx="508063" cy="276999"/>
-          </a:xfrm>
-          <a:prstGeom prst="rect">
-            <a:avLst/>
-          </a:prstGeom>
-          <a:noFill/>
-        </p:spPr>
-        <p:txBody>
-          <a:bodyPr wrap="square" lIns="0" tIns="0" rIns="0" bIns="0" rtlCol="0">
-            <a:spAutoFit/>
-          </a:bodyPr>
-          <a:lstStyle/>
-          <a:p>
-            <a:pPr/>
-            <a:r>
-              <a:rPr lang="en-US" dirty="0" smtClean="0"/>
-              <a:t>+j</a:t>
-            </a:r>
-            <a:endParaRPr lang="pt-PT" dirty="0"/>
-          </a:p>
-        </p:txBody>
-      </p:sp>
-      <p:sp>
-        <p:nvSpPr>
-          <p:cNvPr id="32" name="TextBox 31"/>
-          <p:cNvSpPr txBox="1"/>
-          <p:nvPr/>
-        </p:nvSpPr>
-        <p:spPr>
-          <a:xfrm>
-            <a:off x="10264751" y="4436761"/>
-            <a:ext cx="508063" cy="276999"/>
-          </a:xfrm>
-          <a:prstGeom prst="rect">
-            <a:avLst/>
-          </a:prstGeom>
-          <a:noFill/>
-        </p:spPr>
-        <p:txBody>
-          <a:bodyPr wrap="square" lIns="0" tIns="0" rIns="0" bIns="0" rtlCol="0">
-            <a:spAutoFit/>
-          </a:bodyPr>
-          <a:lstStyle/>
-          <a:p>
-            <a:pPr/>
-            <a:r>
-              <a:rPr lang="en-US" dirty="0" smtClean="0"/>
-              <a:t>-j</a:t>
-            </a:r>
-            <a:endParaRPr lang="pt-PT" dirty="0"/>
-          </a:p>
-        </p:txBody>
-      </p:sp>
-      <p:sp>
-        <p:nvSpPr>
           <p:cNvPr id="2" name="Left Brace 1"/>
           <p:cNvSpPr/>
           <p:nvPr/>
@@ -4244,7 +4116,7 @@
             <p:spPr>
               <a:xfrm>
                 <a:off x="8019106" y="1436799"/>
-                <a:ext cx="3478966" cy="493790"/>
+                <a:ext cx="3536674" cy="508537"/>
               </a:xfrm>
               <a:prstGeom prst="rect">
                 <a:avLst/>
@@ -4282,7 +4154,7 @@
                           <a:rPr lang="en-US" b="0" i="1" smtClean="0">
                             <a:latin typeface="Cambria Math" panose="02040503050406030204" pitchFamily="18" charset="0"/>
                           </a:rPr>
-                          <m:t>𝑗</m:t>
+                          <m:t>𝑖</m:t>
                         </m:r>
                       </m:num>
                       <m:den>
@@ -4313,7 +4185,7 @@
             <p:spPr>
               <a:xfrm>
                 <a:off x="8019106" y="1436799"/>
-                <a:ext cx="3478966" cy="493790"/>
+                <a:ext cx="3536674" cy="508537"/>
               </a:xfrm>
               <a:prstGeom prst="rect">
                 <a:avLst/>
@@ -4321,7 +4193,7 @@
               <a:blipFill>
                 <a:blip r:embed="rId13"/>
                 <a:stretch>
-                  <a:fillRect l="-1401" b="-7407"/>
+                  <a:fillRect l="-1377" b="-4819"/>
                 </a:stretch>
               </a:blipFill>
             </p:spPr>
@@ -4330,7 +4202,7 @@
               <a:lstStyle/>
               <a:p>
                 <a:r>
-                  <a:rPr lang="pt-PT">
+                  <a:rPr lang="en-US">
                     <a:noFill/>
                   </a:rPr>
                   <a:t> </a:t>
@@ -4389,7 +4261,7 @@
             <p:spPr>
               <a:xfrm>
                 <a:off x="950844" y="1436799"/>
-                <a:ext cx="3478966" cy="493790"/>
+                <a:ext cx="3536674" cy="508537"/>
               </a:xfrm>
               <a:prstGeom prst="rect">
                 <a:avLst/>
@@ -4427,7 +4299,7 @@
                           <a:rPr lang="en-US" b="0" i="1" smtClean="0">
                             <a:latin typeface="Cambria Math" panose="02040503050406030204" pitchFamily="18" charset="0"/>
                           </a:rPr>
-                          <m:t>𝑗</m:t>
+                          <m:t>𝑖</m:t>
                         </m:r>
                       </m:num>
                       <m:den>
@@ -4458,7 +4330,7 @@
             <p:spPr>
               <a:xfrm>
                 <a:off x="950844" y="1436799"/>
-                <a:ext cx="3478966" cy="493790"/>
+                <a:ext cx="3536674" cy="508537"/>
               </a:xfrm>
               <a:prstGeom prst="rect">
                 <a:avLst/>
@@ -4466,7 +4338,7 @@
               <a:blipFill>
                 <a:blip r:embed="rId14"/>
                 <a:stretch>
-                  <a:fillRect l="-1576" b="-7407"/>
+                  <a:fillRect l="-1552" b="-4819"/>
                 </a:stretch>
               </a:blipFill>
             </p:spPr>
@@ -4475,7 +4347,363 @@
               <a:lstStyle/>
               <a:p>
                 <a:r>
-                  <a:rPr lang="pt-PT">
+                  <a:rPr lang="en-US">
+                    <a:noFill/>
+                  </a:rPr>
+                  <a:t> </a:t>
+                </a:r>
+              </a:p>
+            </p:txBody>
+          </p:sp>
+        </mc:Fallback>
+      </mc:AlternateContent>
+      <mc:AlternateContent xmlns:mc="http://schemas.openxmlformats.org/markup-compatibility/2006">
+        <mc:Choice xmlns:a14="http://schemas.microsoft.com/office/drawing/2010/main" Requires="a14">
+          <p:sp>
+            <p:nvSpPr>
+              <p:cNvPr id="4" name="TextBox 3"/>
+              <p:cNvSpPr txBox="1"/>
+              <p:nvPr/>
+            </p:nvSpPr>
+            <p:spPr>
+              <a:xfrm>
+                <a:off x="1715778" y="4436761"/>
+                <a:ext cx="307072" cy="276999"/>
+              </a:xfrm>
+              <a:prstGeom prst="rect">
+                <a:avLst/>
+              </a:prstGeom>
+              <a:noFill/>
+            </p:spPr>
+            <p:txBody>
+              <a:bodyPr wrap="none" lIns="0" tIns="0" rIns="0" bIns="0" rtlCol="0">
+                <a:spAutoFit/>
+              </a:bodyPr>
+              <a:lstStyle/>
+              <a:p>
+                <a14:m>
+                  <m:oMathPara xmlns:m="http://schemas.openxmlformats.org/officeDocument/2006/math">
+                    <m:oMathParaPr>
+                      <m:jc m:val="centerGroup"/>
+                    </m:oMathParaPr>
+                    <m:oMath xmlns:m="http://schemas.openxmlformats.org/officeDocument/2006/math">
+                      <m:r>
+                        <a:rPr lang="en-US" b="0" i="1" smtClean="0">
+                          <a:latin typeface="Cambria Math" panose="02040503050406030204" pitchFamily="18" charset="0"/>
+                        </a:rPr>
+                        <m:t>+</m:t>
+                      </m:r>
+                      <m:r>
+                        <a:rPr lang="en-US" b="0" i="1" smtClean="0">
+                          <a:latin typeface="Cambria Math" panose="02040503050406030204" pitchFamily="18" charset="0"/>
+                        </a:rPr>
+                        <m:t>𝑖</m:t>
+                      </m:r>
+                    </m:oMath>
+                  </m:oMathPara>
+                </a14:m>
+                <a:endParaRPr lang="en-US" dirty="0"/>
+              </a:p>
+            </p:txBody>
+          </p:sp>
+        </mc:Choice>
+        <mc:Fallback>
+          <p:sp>
+            <p:nvSpPr>
+              <p:cNvPr id="4" name="TextBox 3"/>
+              <p:cNvSpPr txBox="1">
+                <a:spLocks noRot="1" noChangeAspect="1" noMove="1" noResize="1" noEditPoints="1" noAdjustHandles="1" noChangeArrowheads="1" noChangeShapeType="1" noTextEdit="1"/>
+              </p:cNvSpPr>
+              <p:nvPr/>
+            </p:nvSpPr>
+            <p:spPr>
+              <a:xfrm>
+                <a:off x="1715778" y="4436761"/>
+                <a:ext cx="307072" cy="276999"/>
+              </a:xfrm>
+              <a:prstGeom prst="rect">
+                <a:avLst/>
+              </a:prstGeom>
+              <a:blipFill>
+                <a:blip r:embed="rId15"/>
+                <a:stretch>
+                  <a:fillRect l="-15686" r="-15686" b="-8889"/>
+                </a:stretch>
+              </a:blipFill>
+            </p:spPr>
+            <p:txBody>
+              <a:bodyPr/>
+              <a:lstStyle/>
+              <a:p>
+                <a:r>
+                  <a:rPr lang="en-US">
+                    <a:noFill/>
+                  </a:rPr>
+                  <a:t> </a:t>
+                </a:r>
+              </a:p>
+            </p:txBody>
+          </p:sp>
+        </mc:Fallback>
+      </mc:AlternateContent>
+      <mc:AlternateContent xmlns:mc="http://schemas.openxmlformats.org/markup-compatibility/2006">
+        <mc:Choice xmlns:a14="http://schemas.microsoft.com/office/drawing/2010/main" Requires="a14">
+          <p:sp>
+            <p:nvSpPr>
+              <p:cNvPr id="36" name="TextBox 35"/>
+              <p:cNvSpPr txBox="1"/>
+              <p:nvPr/>
+            </p:nvSpPr>
+            <p:spPr>
+              <a:xfrm>
+                <a:off x="3173345" y="4436761"/>
+                <a:ext cx="210892" cy="276999"/>
+              </a:xfrm>
+              <a:prstGeom prst="rect">
+                <a:avLst/>
+              </a:prstGeom>
+              <a:noFill/>
+            </p:spPr>
+            <p:txBody>
+              <a:bodyPr wrap="none" lIns="0" tIns="0" rIns="0" bIns="0" rtlCol="0">
+                <a:spAutoFit/>
+              </a:bodyPr>
+              <a:lstStyle/>
+              <a:p>
+                <a14:m>
+                  <m:oMathPara xmlns:m="http://schemas.openxmlformats.org/officeDocument/2006/math">
+                    <m:oMathParaPr>
+                      <m:jc m:val="centerGroup"/>
+                    </m:oMathParaPr>
+                    <m:oMath xmlns:m="http://schemas.openxmlformats.org/officeDocument/2006/math">
+                      <m:r>
+                        <a:rPr lang="en-US" i="1">
+                          <a:latin typeface="Cambria Math" panose="02040503050406030204" pitchFamily="18" charset="0"/>
+                        </a:rPr>
+                        <m:t>-</m:t>
+                      </m:r>
+                      <m:r>
+                        <a:rPr lang="en-US" b="0" i="1" smtClean="0">
+                          <a:latin typeface="Cambria Math" panose="02040503050406030204" pitchFamily="18" charset="0"/>
+                        </a:rPr>
+                        <m:t>𝑖</m:t>
+                      </m:r>
+                    </m:oMath>
+                  </m:oMathPara>
+                </a14:m>
+                <a:endParaRPr lang="en-US" dirty="0"/>
+              </a:p>
+            </p:txBody>
+          </p:sp>
+        </mc:Choice>
+        <mc:Fallback>
+          <p:sp>
+            <p:nvSpPr>
+              <p:cNvPr id="36" name="TextBox 35"/>
+              <p:cNvSpPr txBox="1">
+                <a:spLocks noRot="1" noChangeAspect="1" noMove="1" noResize="1" noEditPoints="1" noAdjustHandles="1" noChangeArrowheads="1" noChangeShapeType="1" noTextEdit="1"/>
+              </p:cNvSpPr>
+              <p:nvPr/>
+            </p:nvSpPr>
+            <p:spPr>
+              <a:xfrm>
+                <a:off x="3173345" y="4436761"/>
+                <a:ext cx="210892" cy="276999"/>
+              </a:xfrm>
+              <a:prstGeom prst="rect">
+                <a:avLst/>
+              </a:prstGeom>
+              <a:blipFill>
+                <a:blip r:embed="rId16"/>
+                <a:stretch>
+                  <a:fillRect l="-5882" r="-26471" b="-8889"/>
+                </a:stretch>
+              </a:blipFill>
+            </p:spPr>
+            <p:txBody>
+              <a:bodyPr/>
+              <a:lstStyle/>
+              <a:p>
+                <a:r>
+                  <a:rPr lang="en-US">
+                    <a:noFill/>
+                  </a:rPr>
+                  <a:t> </a:t>
+                </a:r>
+              </a:p>
+            </p:txBody>
+          </p:sp>
+        </mc:Fallback>
+      </mc:AlternateContent>
+      <mc:AlternateContent xmlns:mc="http://schemas.openxmlformats.org/markup-compatibility/2006">
+        <mc:Choice xmlns:a14="http://schemas.microsoft.com/office/drawing/2010/main" Requires="a14">
+          <p:sp>
+            <p:nvSpPr>
+              <p:cNvPr id="37" name="TextBox 36"/>
+              <p:cNvSpPr txBox="1"/>
+              <p:nvPr/>
+            </p:nvSpPr>
+            <p:spPr>
+              <a:xfrm>
+                <a:off x="8848133" y="4436760"/>
+                <a:ext cx="307072" cy="276999"/>
+              </a:xfrm>
+              <a:prstGeom prst="rect">
+                <a:avLst/>
+              </a:prstGeom>
+              <a:noFill/>
+            </p:spPr>
+            <p:txBody>
+              <a:bodyPr wrap="none" lIns="0" tIns="0" rIns="0" bIns="0" rtlCol="0">
+                <a:spAutoFit/>
+              </a:bodyPr>
+              <a:lstStyle/>
+              <a:p>
+                <a14:m>
+                  <m:oMathPara xmlns:m="http://schemas.openxmlformats.org/officeDocument/2006/math">
+                    <m:oMathParaPr>
+                      <m:jc m:val="centerGroup"/>
+                    </m:oMathParaPr>
+                    <m:oMath xmlns:m="http://schemas.openxmlformats.org/officeDocument/2006/math">
+                      <m:r>
+                        <a:rPr lang="en-US" b="0" i="1" smtClean="0">
+                          <a:latin typeface="Cambria Math" panose="02040503050406030204" pitchFamily="18" charset="0"/>
+                        </a:rPr>
+                        <m:t>+</m:t>
+                      </m:r>
+                      <m:r>
+                        <a:rPr lang="en-US" b="0" i="1" smtClean="0">
+                          <a:latin typeface="Cambria Math" panose="02040503050406030204" pitchFamily="18" charset="0"/>
+                        </a:rPr>
+                        <m:t>𝑖</m:t>
+                      </m:r>
+                    </m:oMath>
+                  </m:oMathPara>
+                </a14:m>
+                <a:endParaRPr lang="en-US" dirty="0"/>
+              </a:p>
+            </p:txBody>
+          </p:sp>
+        </mc:Choice>
+        <mc:Fallback>
+          <p:sp>
+            <p:nvSpPr>
+              <p:cNvPr id="37" name="TextBox 36"/>
+              <p:cNvSpPr txBox="1">
+                <a:spLocks noRot="1" noChangeAspect="1" noMove="1" noResize="1" noEditPoints="1" noAdjustHandles="1" noChangeArrowheads="1" noChangeShapeType="1" noTextEdit="1"/>
+              </p:cNvSpPr>
+              <p:nvPr/>
+            </p:nvSpPr>
+            <p:spPr>
+              <a:xfrm>
+                <a:off x="8848133" y="4436760"/>
+                <a:ext cx="307072" cy="276999"/>
+              </a:xfrm>
+              <a:prstGeom prst="rect">
+                <a:avLst/>
+              </a:prstGeom>
+              <a:blipFill>
+                <a:blip r:embed="rId17"/>
+                <a:stretch>
+                  <a:fillRect l="-15686" r="-15686" b="-8889"/>
+                </a:stretch>
+              </a:blipFill>
+            </p:spPr>
+            <p:txBody>
+              <a:bodyPr/>
+              <a:lstStyle/>
+              <a:p>
+                <a:r>
+                  <a:rPr lang="en-US">
+                    <a:noFill/>
+                  </a:rPr>
+                  <a:t> </a:t>
+                </a:r>
+              </a:p>
+            </p:txBody>
+          </p:sp>
+        </mc:Fallback>
+      </mc:AlternateContent>
+      <mc:AlternateContent xmlns:mc="http://schemas.openxmlformats.org/markup-compatibility/2006">
+        <mc:Choice xmlns:a14="http://schemas.microsoft.com/office/drawing/2010/main" Requires="a14">
+          <p:sp>
+            <p:nvSpPr>
+              <p:cNvPr id="38" name="TextBox 37"/>
+              <p:cNvSpPr txBox="1"/>
+              <p:nvPr/>
+            </p:nvSpPr>
+            <p:spPr>
+              <a:xfrm>
+                <a:off x="10208090" y="4434398"/>
+                <a:ext cx="210892" cy="276999"/>
+              </a:xfrm>
+              <a:prstGeom prst="rect">
+                <a:avLst/>
+              </a:prstGeom>
+              <a:noFill/>
+            </p:spPr>
+            <p:txBody>
+              <a:bodyPr wrap="none" lIns="0" tIns="0" rIns="0" bIns="0" rtlCol="0">
+                <a:spAutoFit/>
+              </a:bodyPr>
+              <a:lstStyle/>
+              <a:p>
+                <a14:m>
+                  <m:oMathPara xmlns:m="http://schemas.openxmlformats.org/officeDocument/2006/math">
+                    <m:oMathParaPr>
+                      <m:jc m:val="centerGroup"/>
+                    </m:oMathParaPr>
+                    <m:oMath xmlns:m="http://schemas.openxmlformats.org/officeDocument/2006/math">
+                      <m:r>
+                        <a:rPr lang="en-US" i="1">
+                          <a:latin typeface="Cambria Math" panose="02040503050406030204" pitchFamily="18" charset="0"/>
+                        </a:rPr>
+                        <m:t>-</m:t>
+                      </m:r>
+                      <m:r>
+                        <a:rPr lang="en-US" b="0" i="1" smtClean="0">
+                          <a:latin typeface="Cambria Math" panose="02040503050406030204" pitchFamily="18" charset="0"/>
+                        </a:rPr>
+                        <m:t>𝑖</m:t>
+                      </m:r>
+                    </m:oMath>
+                  </m:oMathPara>
+                </a14:m>
+                <a:endParaRPr lang="en-US" dirty="0"/>
+              </a:p>
+            </p:txBody>
+          </p:sp>
+        </mc:Choice>
+        <mc:Fallback>
+          <p:sp>
+            <p:nvSpPr>
+              <p:cNvPr id="38" name="TextBox 37"/>
+              <p:cNvSpPr txBox="1">
+                <a:spLocks noRot="1" noChangeAspect="1" noMove="1" noResize="1" noEditPoints="1" noAdjustHandles="1" noChangeArrowheads="1" noChangeShapeType="1" noTextEdit="1"/>
+              </p:cNvSpPr>
+              <p:nvPr/>
+            </p:nvSpPr>
+            <p:spPr>
+              <a:xfrm>
+                <a:off x="10208090" y="4434398"/>
+                <a:ext cx="210892" cy="276999"/>
+              </a:xfrm>
+              <a:prstGeom prst="rect">
+                <a:avLst/>
+              </a:prstGeom>
+              <a:blipFill>
+                <a:blip r:embed="rId18"/>
+                <a:stretch>
+                  <a:fillRect l="-5882" r="-26471" b="-6522"/>
+                </a:stretch>
+              </a:blipFill>
+            </p:spPr>
+            <p:txBody>
+              <a:bodyPr/>
+              <a:lstStyle/>
+              <a:p>
+                <a:r>
+                  <a:rPr lang="en-US">
                     <a:noFill/>
                   </a:rPr>
                   <a:t> </a:t>
